--- a/EPL.pptx
+++ b/EPL.pptx
@@ -109,6 +109,11 @@
       </a:defRPr>
     </a:lvl9pPr>
   </p:defaultTextStyle>
+  <p:extLst>
+    <p:ext uri="{EFAFB233-063F-42B5-8137-9DF3F51BA10A}">
+      <p15:sldGuideLst xmlns:p15="http://schemas.microsoft.com/office/powerpoint/2012/main"/>
+    </p:ext>
+  </p:extLst>
 </p:presentation>
 </file>
 
@@ -14258,7 +14263,7 @@
           <a:prstGeom prst="straightConnector1">
             <a:avLst/>
           </a:prstGeom>
-          <a:ln w="28575">
+          <a:ln w="76200">
             <a:solidFill>
               <a:schemeClr val="tx1"/>
             </a:solidFill>

--- a/EPL.pptx
+++ b/EPL.pptx
@@ -7,7 +7,7 @@
   <p:sldIdLst>
     <p:sldId id="268" r:id="rId2"/>
     <p:sldId id="266" r:id="rId3"/>
-    <p:sldId id="267" r:id="rId4"/>
+    <p:sldId id="270" r:id="rId4"/>
     <p:sldId id="260" r:id="rId5"/>
     <p:sldId id="256" r:id="rId6"/>
     <p:sldId id="257" r:id="rId7"/>
@@ -7592,7 +7592,13 @@
           <p:cNvGraphicFramePr>
             <a:graphicFrameLocks noGrp="1"/>
           </p:cNvGraphicFramePr>
-          <p:nvPr/>
+          <p:nvPr>
+            <p:extLst>
+              <p:ext uri="{D42A27DB-BD31-4B8C-83A1-F6EECF244321}">
+                <p14:modId xmlns:p14="http://schemas.microsoft.com/office/powerpoint/2010/main" val="2041007670"/>
+              </p:ext>
+            </p:extLst>
+          </p:nvPr>
         </p:nvGraphicFramePr>
         <p:xfrm>
           <a:off x="8822896" y="1096917"/>
@@ -9528,7 +9534,7 @@
                     <a:p>
                       <a:pPr algn="ctr" rtl="0" fontAlgn="b"/>
                       <a:r>
-                        <a:rPr lang="en-US" sz="1300" dirty="0">
+                        <a:rPr lang="en-US" sz="1300" b="0" dirty="0">
                           <a:effectLst/>
                         </a:rPr>
                         <a:t>8</a:t>
@@ -9589,7 +9595,7 @@
                     <a:p>
                       <a:pPr algn="ctr" rtl="0" fontAlgn="b"/>
                       <a:r>
-                        <a:rPr lang="en-US" sz="1300" dirty="0">
+                        <a:rPr lang="en-US" sz="1300" b="0" dirty="0">
                           <a:effectLst/>
                         </a:rPr>
                         <a:t>+4</a:t>
@@ -9972,7 +9978,7 @@
                         <a:rPr lang="en-US" sz="1300" dirty="0">
                           <a:effectLst/>
                         </a:rPr>
-                        <a:t>CP</a:t>
+                        <a:t>TOT</a:t>
                       </a:r>
                     </a:p>
                   </a:txBody>
@@ -10094,7 +10100,7 @@
                         <a:rPr lang="en-US" sz="1300" dirty="0">
                           <a:effectLst/>
                         </a:rPr>
-                        <a:t>+1</a:t>
+                        <a:t>-2</a:t>
                       </a:r>
                     </a:p>
                   </a:txBody>
@@ -10144,7 +10150,7 @@
                       <a:prstDash val="solid"/>
                     </a:lnBlToTr>
                     <a:solidFill>
-                      <a:srgbClr val="00B050"/>
+                      <a:srgbClr val="FF0000"/>
                     </a:solidFill>
                   </a:tcPr>
                 </a:tc>
@@ -10223,7 +10229,7 @@
                         <a:rPr lang="en-US" sz="1300" dirty="0">
                           <a:effectLst/>
                         </a:rPr>
-                        <a:t>TOT</a:t>
+                        <a:t>CP</a:t>
                       </a:r>
                     </a:p>
                   </a:txBody>
@@ -10340,12 +10346,18 @@
                     <a:bodyPr/>
                     <a:lstStyle/>
                     <a:p>
-                      <a:pPr algn="ctr" rtl="0" fontAlgn="b"/>
+                      <a:pPr marL="0" algn="ctr" defTabSz="914400" rtl="0" eaLnBrk="1" fontAlgn="b" latinLnBrk="0" hangingPunct="1"/>
                       <a:r>
-                        <a:rPr lang="en-US" sz="1300" dirty="0">
+                        <a:rPr lang="en-US" sz="1300" kern="1200" dirty="0">
+                          <a:solidFill>
+                            <a:schemeClr val="tx1"/>
+                          </a:solidFill>
                           <a:effectLst/>
+                          <a:latin typeface="+mn-lt"/>
+                          <a:ea typeface="+mn-ea"/>
+                          <a:cs typeface="+mn-cs"/>
                         </a:rPr>
-                        <a:t>-3</a:t>
+                        <a:t>-</a:t>
                       </a:r>
                     </a:p>
                   </a:txBody>
@@ -10395,7 +10407,9 @@
                       <a:prstDash val="solid"/>
                     </a:lnBlToTr>
                     <a:solidFill>
-                      <a:srgbClr val="FF0000"/>
+                      <a:schemeClr val="bg1">
+                        <a:lumMod val="85000"/>
+                      </a:schemeClr>
                     </a:solidFill>
                   </a:tcPr>
                 </a:tc>
@@ -10474,7 +10488,7 @@
                         <a:rPr lang="en-US" sz="1300" dirty="0">
                           <a:effectLst/>
                         </a:rPr>
-                        <a:t>SOU</a:t>
+                        <a:t>WAT</a:t>
                       </a:r>
                     </a:p>
                   </a:txBody>
@@ -10532,7 +10546,7 @@
                     <a:p>
                       <a:pPr algn="ctr" rtl="0" fontAlgn="b"/>
                       <a:r>
-                        <a:rPr lang="en-US" sz="1300" dirty="0">
+                        <a:rPr lang="en-US" sz="1300" b="1" dirty="0">
                           <a:effectLst/>
                         </a:rPr>
                         <a:t>12</a:t>
@@ -10593,10 +10607,10 @@
                     <a:p>
                       <a:pPr algn="ctr" rtl="0" fontAlgn="b"/>
                       <a:r>
-                        <a:rPr lang="en-US" sz="1300" dirty="0">
+                        <a:rPr lang="en-US" sz="1300" b="1" dirty="0">
                           <a:effectLst/>
                         </a:rPr>
-                        <a:t>+2</a:t>
+                        <a:t>+5</a:t>
                       </a:r>
                     </a:p>
                   </a:txBody>
@@ -10725,7 +10739,7 @@
                         <a:rPr lang="en-US" sz="1300" dirty="0">
                           <a:effectLst/>
                         </a:rPr>
-                        <a:t>WAT</a:t>
+                        <a:t>SOU</a:t>
                       </a:r>
                     </a:p>
                   </a:txBody>
@@ -10847,7 +10861,7 @@
                         <a:rPr lang="en-US" sz="1300" dirty="0">
                           <a:effectLst/>
                         </a:rPr>
-                        <a:t>+4</a:t>
+                        <a:t>+1</a:t>
                       </a:r>
                     </a:p>
                   </a:txBody>
@@ -13099,53 +13113,6 @@
       </p:pic>
       <p:pic>
         <p:nvPicPr>
-          <p:cNvPr id="40" name="Picture 8">
-            <a:extLst>
-              <a:ext uri="{FF2B5EF4-FFF2-40B4-BE49-F238E27FC236}">
-                <a16:creationId xmlns:a16="http://schemas.microsoft.com/office/drawing/2014/main" id="{698BD099-3084-4DA5-88A8-0577430885A5}"/>
-              </a:ext>
-            </a:extLst>
-          </p:cNvPr>
-          <p:cNvPicPr>
-            <a:picLocks noChangeAspect="1" noChangeArrowheads="1"/>
-          </p:cNvPicPr>
-          <p:nvPr/>
-        </p:nvPicPr>
-        <p:blipFill>
-          <a:blip r:embed="rId9">
-            <a:extLst>
-              <a:ext uri="{28A0092B-C50C-407E-A947-70E740481C1C}">
-                <a14:useLocalDpi xmlns:a14="http://schemas.microsoft.com/office/drawing/2010/main" val="0"/>
-              </a:ext>
-            </a:extLst>
-          </a:blip>
-          <a:srcRect/>
-          <a:stretch>
-            <a:fillRect/>
-          </a:stretch>
-        </p:blipFill>
-        <p:spPr bwMode="auto">
-          <a:xfrm>
-            <a:off x="9063265" y="3789915"/>
-            <a:ext cx="238512" cy="238512"/>
-          </a:xfrm>
-          <a:prstGeom prst="rect">
-            <a:avLst/>
-          </a:prstGeom>
-          <a:noFill/>
-          <a:extLst>
-            <a:ext uri="{909E8E84-426E-40DD-AFC4-6F175D3DCCD1}">
-              <a14:hiddenFill xmlns:a14="http://schemas.microsoft.com/office/drawing/2010/main">
-                <a:solidFill>
-                  <a:srgbClr val="FFFFFF"/>
-                </a:solidFill>
-              </a14:hiddenFill>
-            </a:ext>
-          </a:extLst>
-        </p:spPr>
-      </p:pic>
-      <p:pic>
-        <p:nvPicPr>
           <p:cNvPr id="41" name="Picture 12">
             <a:extLst>
               <a:ext uri="{FF2B5EF4-FFF2-40B4-BE49-F238E27FC236}">
@@ -13220,7 +13187,7 @@
         </p:blipFill>
         <p:spPr bwMode="auto">
           <a:xfrm>
-            <a:off x="9063265" y="3520227"/>
+            <a:off x="9063265" y="3797218"/>
             <a:ext cx="238512" cy="238512"/>
           </a:xfrm>
           <a:prstGeom prst="rect">
@@ -13267,7 +13234,7 @@
         </p:blipFill>
         <p:spPr bwMode="auto">
           <a:xfrm>
-            <a:off x="9063265" y="4058735"/>
+            <a:off x="9071834" y="4334439"/>
             <a:ext cx="238512" cy="238512"/>
           </a:xfrm>
           <a:prstGeom prst="rect">
@@ -13314,7 +13281,7 @@
         </p:blipFill>
         <p:spPr bwMode="auto">
           <a:xfrm>
-            <a:off x="9063265" y="4347735"/>
+            <a:off x="9071834" y="4073364"/>
             <a:ext cx="238512" cy="238512"/>
           </a:xfrm>
           <a:prstGeom prst="rect">
@@ -13762,8 +13729,8 @@
         </p:nvCxnSpPr>
         <p:spPr>
           <a:xfrm flipV="1">
-            <a:off x="5967156" y="4193289"/>
-            <a:ext cx="3000894" cy="530258"/>
+            <a:off x="5967156" y="4416642"/>
+            <a:ext cx="3000894" cy="306905"/>
           </a:xfrm>
           <a:prstGeom prst="straightConnector1">
             <a:avLst/>
@@ -13806,8 +13773,8 @@
         </p:nvCxnSpPr>
         <p:spPr>
           <a:xfrm flipV="1">
-            <a:off x="5967156" y="4466991"/>
-            <a:ext cx="3000894" cy="1061622"/>
+            <a:off x="5967156" y="4173466"/>
+            <a:ext cx="3055367" cy="1355147"/>
           </a:xfrm>
           <a:prstGeom prst="straightConnector1">
             <a:avLst/>
@@ -14080,7 +14047,7 @@
         <p:spPr>
           <a:xfrm>
             <a:off x="5967156" y="3123253"/>
-            <a:ext cx="3000894" cy="785918"/>
+            <a:ext cx="3036237" cy="543421"/>
           </a:xfrm>
           <a:prstGeom prst="straightConnector1">
             <a:avLst/>
@@ -14168,9 +14135,9 @@
           <p:nvPr/>
         </p:nvCxnSpPr>
         <p:spPr>
-          <a:xfrm flipV="1">
-            <a:off x="5946078" y="3666437"/>
-            <a:ext cx="3069580" cy="257425"/>
+          <a:xfrm>
+            <a:off x="5946078" y="3923863"/>
+            <a:ext cx="3035237" cy="10952"/>
           </a:xfrm>
           <a:prstGeom prst="straightConnector1">
             <a:avLst/>
@@ -14219,7 +14186,7 @@
           <a:prstGeom prst="straightConnector1">
             <a:avLst/>
           </a:prstGeom>
-          <a:ln w="28575">
+          <a:ln w="57150">
             <a:solidFill>
               <a:srgbClr val="0070C0"/>
             </a:solidFill>
@@ -15373,6 +15340,53 @@
           <a:prstGeom prst="rect">
             <a:avLst/>
           </a:prstGeom>
+        </p:spPr>
+      </p:pic>
+      <p:pic>
+        <p:nvPicPr>
+          <p:cNvPr id="74" name="Picture 8">
+            <a:extLst>
+              <a:ext uri="{FF2B5EF4-FFF2-40B4-BE49-F238E27FC236}">
+                <a16:creationId xmlns:a16="http://schemas.microsoft.com/office/drawing/2014/main" id="{B9D530A5-4974-48A8-AFC3-5F38A94D323B}"/>
+              </a:ext>
+            </a:extLst>
+          </p:cNvPr>
+          <p:cNvPicPr>
+            <a:picLocks noChangeAspect="1" noChangeArrowheads="1"/>
+          </p:cNvPicPr>
+          <p:nvPr/>
+        </p:nvPicPr>
+        <p:blipFill>
+          <a:blip r:embed="rId9">
+            <a:extLst>
+              <a:ext uri="{28A0092B-C50C-407E-A947-70E740481C1C}">
+                <a14:useLocalDpi xmlns:a14="http://schemas.microsoft.com/office/drawing/2010/main" val="0"/>
+              </a:ext>
+            </a:extLst>
+          </a:blip>
+          <a:srcRect/>
+          <a:stretch>
+            <a:fillRect/>
+          </a:stretch>
+        </p:blipFill>
+        <p:spPr bwMode="auto">
+          <a:xfrm>
+            <a:off x="9063265" y="3519453"/>
+            <a:ext cx="238512" cy="238512"/>
+          </a:xfrm>
+          <a:prstGeom prst="rect">
+            <a:avLst/>
+          </a:prstGeom>
+          <a:noFill/>
+          <a:extLst>
+            <a:ext uri="{909E8E84-426E-40DD-AFC4-6F175D3DCCD1}">
+              <a14:hiddenFill xmlns:a14="http://schemas.microsoft.com/office/drawing/2010/main">
+                <a:solidFill>
+                  <a:srgbClr val="FFFFFF"/>
+                </a:solidFill>
+              </a14:hiddenFill>
+            </a:ext>
+          </a:extLst>
         </p:spPr>
       </p:pic>
     </p:spTree>
@@ -15584,10 +15598,10 @@
       </p:sp>
       <p:pic>
         <p:nvPicPr>
-          <p:cNvPr id="4" name="Picture 3">
+          <p:cNvPr id="2" name="Picture 1">
             <a:extLst>
               <a:ext uri="{FF2B5EF4-FFF2-40B4-BE49-F238E27FC236}">
-                <a16:creationId xmlns:a16="http://schemas.microsoft.com/office/drawing/2014/main" id="{41241480-B0DD-43C6-8349-767DF1F499DC}"/>
+                <a16:creationId xmlns:a16="http://schemas.microsoft.com/office/drawing/2014/main" id="{4089B4DA-5D40-4389-85A2-BDA27F00C3EC}"/>
               </a:ext>
             </a:extLst>
           </p:cNvPr>
@@ -15598,36 +15612,6 @@
         </p:nvPicPr>
         <p:blipFill>
           <a:blip r:embed="rId2"/>
-          <a:stretch>
-            <a:fillRect/>
-          </a:stretch>
-        </p:blipFill>
-        <p:spPr>
-          <a:xfrm>
-            <a:off x="320040" y="765253"/>
-            <a:ext cx="5455917" cy="3082592"/>
-          </a:xfrm>
-          <a:prstGeom prst="rect">
-            <a:avLst/>
-          </a:prstGeom>
-        </p:spPr>
-      </p:pic>
-      <p:pic>
-        <p:nvPicPr>
-          <p:cNvPr id="2" name="Picture 1">
-            <a:extLst>
-              <a:ext uri="{FF2B5EF4-FFF2-40B4-BE49-F238E27FC236}">
-                <a16:creationId xmlns:a16="http://schemas.microsoft.com/office/drawing/2014/main" id="{4089B4DA-5D40-4389-85A2-BDA27F00C3EC}"/>
-              </a:ext>
-            </a:extLst>
-          </p:cNvPr>
-          <p:cNvPicPr>
-            <a:picLocks noChangeAspect="1"/>
-          </p:cNvPicPr>
-          <p:nvPr/>
-        </p:nvPicPr>
-        <p:blipFill>
-          <a:blip r:embed="rId3"/>
           <a:stretch>
             <a:fillRect/>
           </a:stretch>
@@ -15709,7 +15693,7 @@
           <p:nvPr/>
         </p:nvPicPr>
         <p:blipFill>
-          <a:blip r:embed="rId4">
+          <a:blip r:embed="rId3">
             <a:duotone>
               <a:schemeClr val="bg2">
                 <a:shade val="45000"/>
@@ -15731,6 +15715,36 @@
           <a:xfrm>
             <a:off x="5318775" y="5790298"/>
             <a:ext cx="1554449" cy="631648"/>
+          </a:xfrm>
+          <a:prstGeom prst="rect">
+            <a:avLst/>
+          </a:prstGeom>
+        </p:spPr>
+      </p:pic>
+      <p:pic>
+        <p:nvPicPr>
+          <p:cNvPr id="10" name="Picture 9">
+            <a:extLst>
+              <a:ext uri="{FF2B5EF4-FFF2-40B4-BE49-F238E27FC236}">
+                <a16:creationId xmlns:a16="http://schemas.microsoft.com/office/drawing/2014/main" id="{9BC5C8BB-0CA6-4343-B46D-4A298EB98A9E}"/>
+              </a:ext>
+            </a:extLst>
+          </p:cNvPr>
+          <p:cNvPicPr>
+            <a:picLocks noChangeAspect="1"/>
+          </p:cNvPicPr>
+          <p:nvPr/>
+        </p:nvPicPr>
+        <p:blipFill>
+          <a:blip r:embed="rId4"/>
+          <a:stretch>
+            <a:fillRect/>
+          </a:stretch>
+        </p:blipFill>
+        <p:spPr>
+          <a:xfrm>
+            <a:off x="320042" y="765253"/>
+            <a:ext cx="5455916" cy="3084711"/>
           </a:xfrm>
           <a:prstGeom prst="rect">
             <a:avLst/>
@@ -15831,13 +15845,18 @@
           <a:lstStyle/>
           <a:p>
             <a:r>
-              <a:rPr lang="en-US" sz="4000" b="1" dirty="0">
+              <a:rPr lang="en-US" sz="4000" b="1">
                 <a:solidFill>
                   <a:srgbClr val="3D195B"/>
                 </a:solidFill>
               </a:rPr>
               <a:t>Visualization &amp; Interactive Dashboard</a:t>
             </a:r>
+            <a:endParaRPr lang="en-US" sz="4000" b="1" dirty="0">
+              <a:solidFill>
+                <a:srgbClr val="3D195B"/>
+              </a:solidFill>
+            </a:endParaRPr>
           </a:p>
         </p:txBody>
       </p:sp>
@@ -15877,10 +15896,90 @@
           </a:prstGeom>
         </p:spPr>
       </p:pic>
+      <p:sp>
+        <p:nvSpPr>
+          <p:cNvPr id="6" name="TextBox 5">
+            <a:extLst>
+              <a:ext uri="{FF2B5EF4-FFF2-40B4-BE49-F238E27FC236}">
+                <a16:creationId xmlns:a16="http://schemas.microsoft.com/office/drawing/2014/main" id="{4A71A396-7569-499B-BED2-DBC5CF8F407F}"/>
+              </a:ext>
+            </a:extLst>
+          </p:cNvPr>
+          <p:cNvSpPr txBox="1"/>
+          <p:nvPr/>
+        </p:nvSpPr>
+        <p:spPr>
+          <a:xfrm>
+            <a:off x="10329466" y="6379929"/>
+            <a:ext cx="1621465" cy="276999"/>
+          </a:xfrm>
+          <a:prstGeom prst="rect">
+            <a:avLst/>
+          </a:prstGeom>
+          <a:noFill/>
+        </p:spPr>
+        <p:txBody>
+          <a:bodyPr wrap="square" rtlCol="0">
+            <a:spAutoFit/>
+          </a:bodyPr>
+          <a:lstStyle>
+            <a:defPPr>
+              <a:defRPr lang="en-US"/>
+            </a:defPPr>
+            <a:lvl1pPr>
+              <a:defRPr sz="4000" b="1">
+                <a:solidFill>
+                  <a:srgbClr val="3D195B"/>
+                </a:solidFill>
+              </a:defRPr>
+            </a:lvl1pPr>
+          </a:lstStyle>
+          <a:p>
+            <a:r>
+              <a:rPr lang="en-US" sz="1200" dirty="0">
+                <a:hlinkClick r:id="rId4"/>
+              </a:rPr>
+              <a:t>Download Workbook</a:t>
+            </a:r>
+            <a:endParaRPr lang="en-US" sz="1200" dirty="0"/>
+          </a:p>
+        </p:txBody>
+      </p:sp>
+      <p:pic>
+        <p:nvPicPr>
+          <p:cNvPr id="2" name="Picture 1">
+            <a:hlinkClick r:id="rId5"/>
+            <a:extLst>
+              <a:ext uri="{FF2B5EF4-FFF2-40B4-BE49-F238E27FC236}">
+                <a16:creationId xmlns:a16="http://schemas.microsoft.com/office/drawing/2014/main" id="{F6C49446-2F96-40F0-8601-86A003E71D0B}"/>
+              </a:ext>
+            </a:extLst>
+          </p:cNvPr>
+          <p:cNvPicPr>
+            <a:picLocks noChangeAspect="1"/>
+          </p:cNvPicPr>
+          <p:nvPr/>
+        </p:nvPicPr>
+        <p:blipFill>
+          <a:blip r:embed="rId6"/>
+          <a:stretch>
+            <a:fillRect/>
+          </a:stretch>
+        </p:blipFill>
+        <p:spPr>
+          <a:xfrm>
+            <a:off x="9972503" y="6298541"/>
+            <a:ext cx="431778" cy="439774"/>
+          </a:xfrm>
+          <a:prstGeom prst="rect">
+            <a:avLst/>
+          </a:prstGeom>
+        </p:spPr>
+      </p:pic>
     </p:spTree>
     <p:extLst>
       <p:ext uri="{BB962C8B-B14F-4D97-AF65-F5344CB8AC3E}">
-        <p14:creationId xmlns:p14="http://schemas.microsoft.com/office/powerpoint/2010/main" val="644297206"/>
+        <p14:creationId xmlns:p14="http://schemas.microsoft.com/office/powerpoint/2010/main" val="878716955"/>
       </p:ext>
     </p:extLst>
   </p:cSld>
